--- a/偽パッド設計書.pptx
+++ b/偽パッド設計書.pptx
@@ -5485,11 +5485,7 @@
             </a:r>
             <a:r>
               <a:rPr lang="ja-JP" altLang="en-US" sz="1600" dirty="0" smtClean="0"/>
-              <a:t>名</a:t>
-            </a:r>
-            <a:r>
-              <a:rPr lang="ja-JP" altLang="en-US" sz="1600" dirty="0" smtClean="0"/>
-              <a:t>：</a:t>
+              <a:t>名：</a:t>
             </a:r>
             <a:r>
               <a:rPr lang="en-US" altLang="ja-JP" sz="1600" dirty="0" err="1">
@@ -5890,7 +5886,7 @@
             </a:r>
             <a:r>
               <a:rPr lang="en-US" altLang="ja-JP" sz="1600" dirty="0" smtClean="0"/>
-              <a:t>varchar16</a:t>
+              <a:t>varchar64</a:t>
             </a:r>
             <a:endParaRPr lang="ja-JP" altLang="en-US" sz="1600" dirty="0"/>
           </a:p>
@@ -7457,6 +7453,49 @@
               <a:t>作成</a:t>
             </a:r>
             <a:endParaRPr lang="en-US" altLang="ja-JP" sz="1600" dirty="0" smtClean="0"/>
+          </a:p>
+        </p:txBody>
+      </p:sp>
+      <p:sp>
+        <p:nvSpPr>
+          <p:cNvPr id="80" name="テキスト ボックス 79"/>
+          <p:cNvSpPr txBox="1"/>
+          <p:nvPr/>
+        </p:nvSpPr>
+        <p:spPr>
+          <a:xfrm>
+            <a:off x="5235184" y="6314301"/>
+            <a:ext cx="2651516" cy="338554"/>
+          </a:xfrm>
+          <a:prstGeom prst="rect">
+            <a:avLst/>
+          </a:prstGeom>
+          <a:noFill/>
+          <a:ln>
+            <a:solidFill>
+              <a:schemeClr val="tx1"/>
+            </a:solidFill>
+          </a:ln>
+        </p:spPr>
+        <p:txBody>
+          <a:bodyPr wrap="square" rtlCol="0">
+            <a:spAutoFit/>
+          </a:bodyPr>
+          <a:lstStyle/>
+          <a:p>
+            <a:r>
+              <a:rPr lang="en-US" altLang="ja-JP" sz="1600" dirty="0" err="1" smtClean="0"/>
+              <a:t>food_photo</a:t>
+            </a:r>
+            <a:r>
+              <a:rPr lang="ja-JP" altLang="en-US" sz="1600" dirty="0" smtClean="0"/>
+              <a:t>（</a:t>
+            </a:r>
+            <a:r>
+              <a:rPr lang="en-US" altLang="ja-JP" sz="1600" dirty="0" smtClean="0"/>
+              <a:t>varchar256</a:t>
+            </a:r>
+            <a:endParaRPr lang="ja-JP" altLang="en-US" sz="1600" dirty="0"/>
           </a:p>
         </p:txBody>
       </p:sp>
